--- a/output/Fig. 3 SHAP_CG.pptx
+++ b/output/Fig. 3 SHAP_CG.pptx
@@ -259,7 +259,7 @@
           <a:p>
             <a:fld id="{D1AFB33D-326E-4C37-9829-3ED4CDD18C39}" type="datetimeFigureOut">
               <a:rPr lang="zh-TW" altLang="en-US" smtClean="0"/>
-              <a:t>2025/2/3</a:t>
+              <a:t>2025/2/5</a:t>
             </a:fld>
             <a:endParaRPr lang="zh-TW" altLang="en-US"/>
           </a:p>
@@ -457,7 +457,7 @@
           <a:p>
             <a:fld id="{D1AFB33D-326E-4C37-9829-3ED4CDD18C39}" type="datetimeFigureOut">
               <a:rPr lang="zh-TW" altLang="en-US" smtClean="0"/>
-              <a:t>2025/2/3</a:t>
+              <a:t>2025/2/5</a:t>
             </a:fld>
             <a:endParaRPr lang="zh-TW" altLang="en-US"/>
           </a:p>
@@ -665,7 +665,7 @@
           <a:p>
             <a:fld id="{D1AFB33D-326E-4C37-9829-3ED4CDD18C39}" type="datetimeFigureOut">
               <a:rPr lang="zh-TW" altLang="en-US" smtClean="0"/>
-              <a:t>2025/2/3</a:t>
+              <a:t>2025/2/5</a:t>
             </a:fld>
             <a:endParaRPr lang="zh-TW" altLang="en-US"/>
           </a:p>
@@ -863,7 +863,7 @@
           <a:p>
             <a:fld id="{D1AFB33D-326E-4C37-9829-3ED4CDD18C39}" type="datetimeFigureOut">
               <a:rPr lang="zh-TW" altLang="en-US" smtClean="0"/>
-              <a:t>2025/2/3</a:t>
+              <a:t>2025/2/5</a:t>
             </a:fld>
             <a:endParaRPr lang="zh-TW" altLang="en-US"/>
           </a:p>
@@ -1138,7 +1138,7 @@
           <a:p>
             <a:fld id="{D1AFB33D-326E-4C37-9829-3ED4CDD18C39}" type="datetimeFigureOut">
               <a:rPr lang="zh-TW" altLang="en-US" smtClean="0"/>
-              <a:t>2025/2/3</a:t>
+              <a:t>2025/2/5</a:t>
             </a:fld>
             <a:endParaRPr lang="zh-TW" altLang="en-US"/>
           </a:p>
@@ -1403,7 +1403,7 @@
           <a:p>
             <a:fld id="{D1AFB33D-326E-4C37-9829-3ED4CDD18C39}" type="datetimeFigureOut">
               <a:rPr lang="zh-TW" altLang="en-US" smtClean="0"/>
-              <a:t>2025/2/3</a:t>
+              <a:t>2025/2/5</a:t>
             </a:fld>
             <a:endParaRPr lang="zh-TW" altLang="en-US"/>
           </a:p>
@@ -1815,7 +1815,7 @@
           <a:p>
             <a:fld id="{D1AFB33D-326E-4C37-9829-3ED4CDD18C39}" type="datetimeFigureOut">
               <a:rPr lang="zh-TW" altLang="en-US" smtClean="0"/>
-              <a:t>2025/2/3</a:t>
+              <a:t>2025/2/5</a:t>
             </a:fld>
             <a:endParaRPr lang="zh-TW" altLang="en-US"/>
           </a:p>
@@ -1956,7 +1956,7 @@
           <a:p>
             <a:fld id="{D1AFB33D-326E-4C37-9829-3ED4CDD18C39}" type="datetimeFigureOut">
               <a:rPr lang="zh-TW" altLang="en-US" smtClean="0"/>
-              <a:t>2025/2/3</a:t>
+              <a:t>2025/2/5</a:t>
             </a:fld>
             <a:endParaRPr lang="zh-TW" altLang="en-US"/>
           </a:p>
@@ -2069,7 +2069,7 @@
           <a:p>
             <a:fld id="{D1AFB33D-326E-4C37-9829-3ED4CDD18C39}" type="datetimeFigureOut">
               <a:rPr lang="zh-TW" altLang="en-US" smtClean="0"/>
-              <a:t>2025/2/3</a:t>
+              <a:t>2025/2/5</a:t>
             </a:fld>
             <a:endParaRPr lang="zh-TW" altLang="en-US"/>
           </a:p>
@@ -2380,7 +2380,7 @@
           <a:p>
             <a:fld id="{D1AFB33D-326E-4C37-9829-3ED4CDD18C39}" type="datetimeFigureOut">
               <a:rPr lang="zh-TW" altLang="en-US" smtClean="0"/>
-              <a:t>2025/2/3</a:t>
+              <a:t>2025/2/5</a:t>
             </a:fld>
             <a:endParaRPr lang="zh-TW" altLang="en-US"/>
           </a:p>
@@ -2668,7 +2668,7 @@
           <a:p>
             <a:fld id="{D1AFB33D-326E-4C37-9829-3ED4CDD18C39}" type="datetimeFigureOut">
               <a:rPr lang="zh-TW" altLang="en-US" smtClean="0"/>
-              <a:t>2025/2/3</a:t>
+              <a:t>2025/2/5</a:t>
             </a:fld>
             <a:endParaRPr lang="zh-TW" altLang="en-US"/>
           </a:p>
@@ -2909,7 +2909,7 @@
           <a:p>
             <a:fld id="{D1AFB33D-326E-4C37-9829-3ED4CDD18C39}" type="datetimeFigureOut">
               <a:rPr lang="zh-TW" altLang="en-US" smtClean="0"/>
-              <a:t>2025/2/3</a:t>
+              <a:t>2025/2/5</a:t>
             </a:fld>
             <a:endParaRPr lang="zh-TW" altLang="en-US"/>
           </a:p>
@@ -3328,10 +3328,10 @@
       </p:grpSpPr>
       <p:pic>
         <p:nvPicPr>
-          <p:cNvPr id="5" name="圖片 4">
-            <a:extLst>
-              <a:ext uri="{FF2B5EF4-FFF2-40B4-BE49-F238E27FC236}">
-                <a16:creationId xmlns:a16="http://schemas.microsoft.com/office/drawing/2014/main" id="{331A6FD5-B1A4-4950-80CB-9199D10E1195}"/>
+          <p:cNvPr id="6" name="圖片 5">
+            <a:extLst>
+              <a:ext uri="{FF2B5EF4-FFF2-40B4-BE49-F238E27FC236}">
+                <a16:creationId xmlns:a16="http://schemas.microsoft.com/office/drawing/2014/main" id="{15D3B82C-A5ED-49FE-A620-8BF57BF9FDF6}"/>
               </a:ext>
             </a:extLst>
           </p:cNvPr>
@@ -3343,18 +3343,27 @@
         <p:blipFill rotWithShape="1">
           <a:blip r:embed="rId2">
             <a:extLst>
+              <a:ext uri="{BEBA8EAE-BF5A-486C-A8C5-ECC9F3942E4B}">
+                <a14:imgProps xmlns:a14="http://schemas.microsoft.com/office/drawing/2010/main">
+                  <a14:imgLayer r:embed="rId3">
+                    <a14:imgEffect>
+                      <a14:sharpenSoften amount="25000"/>
+                    </a14:imgEffect>
+                  </a14:imgLayer>
+                </a14:imgProps>
+              </a:ext>
               <a:ext uri="{28A0092B-C50C-407E-A947-70E740481C1C}">
                 <a14:useLocalDpi xmlns:a14="http://schemas.microsoft.com/office/drawing/2010/main" val="0"/>
               </a:ext>
             </a:extLst>
           </a:blip>
-          <a:srcRect r="11013"/>
+          <a:srcRect r="15431"/>
           <a:stretch/>
         </p:blipFill>
         <p:spPr>
           <a:xfrm>
-            <a:off x="3072134" y="0"/>
-            <a:ext cx="5139115" cy="6858000"/>
+            <a:off x="3208421" y="0"/>
+            <a:ext cx="4884019" cy="6858000"/>
           </a:xfrm>
           <a:prstGeom prst="rect">
             <a:avLst/>
@@ -3363,10 +3372,10 @@
       </p:pic>
       <p:pic>
         <p:nvPicPr>
-          <p:cNvPr id="3" name="圖片 2">
-            <a:extLst>
-              <a:ext uri="{FF2B5EF4-FFF2-40B4-BE49-F238E27FC236}">
-                <a16:creationId xmlns:a16="http://schemas.microsoft.com/office/drawing/2014/main" id="{5A5E6569-599B-456B-B79B-7A1FAB5A4FE6}"/>
+          <p:cNvPr id="7" name="圖片 6">
+            <a:extLst>
+              <a:ext uri="{FF2B5EF4-FFF2-40B4-BE49-F238E27FC236}">
+                <a16:creationId xmlns:a16="http://schemas.microsoft.com/office/drawing/2014/main" id="{7A60F28E-8B81-467D-89E8-5C9C9FB2C718}"/>
               </a:ext>
             </a:extLst>
           </p:cNvPr>
@@ -3376,20 +3385,29 @@
           <p:nvPr/>
         </p:nvPicPr>
         <p:blipFill rotWithShape="1">
-          <a:blip r:embed="rId3">
-            <a:extLst>
+          <a:blip r:embed="rId4">
+            <a:extLst>
+              <a:ext uri="{BEBA8EAE-BF5A-486C-A8C5-ECC9F3942E4B}">
+                <a14:imgProps xmlns:a14="http://schemas.microsoft.com/office/drawing/2010/main">
+                  <a14:imgLayer r:embed="rId5">
+                    <a14:imgEffect>
+                      <a14:sharpenSoften amount="25000"/>
+                    </a14:imgEffect>
+                  </a14:imgLayer>
+                </a14:imgProps>
+              </a:ext>
               <a:ext uri="{28A0092B-C50C-407E-A947-70E740481C1C}">
                 <a14:useLocalDpi xmlns:a14="http://schemas.microsoft.com/office/drawing/2010/main" val="0"/>
               </a:ext>
             </a:extLst>
           </a:blip>
-          <a:srcRect l="90812" b="5910"/>
+          <a:srcRect l="89319"/>
           <a:stretch/>
         </p:blipFill>
         <p:spPr>
           <a:xfrm>
-            <a:off x="8316686" y="2545"/>
-            <a:ext cx="530606" cy="6452684"/>
+            <a:off x="8366759" y="0"/>
+            <a:ext cx="616819" cy="6858000"/>
           </a:xfrm>
           <a:prstGeom prst="rect">
             <a:avLst/>
@@ -3411,14 +3429,14 @@
           <p:nvPr>
             <p:extLst>
               <p:ext uri="{D42A27DB-BD31-4B8C-83A1-F6EECF244321}">
-                <p14:modId xmlns:p14="http://schemas.microsoft.com/office/powerpoint/2010/main" val="228499228"/>
+                <p14:modId xmlns:p14="http://schemas.microsoft.com/office/powerpoint/2010/main" val="747449704"/>
               </p:ext>
             </p:extLst>
           </p:nvPr>
         </p:nvGraphicFramePr>
         <p:xfrm>
-          <a:off x="2134171" y="304805"/>
-          <a:ext cx="1238815" cy="5948680"/>
+          <a:off x="2134171" y="304804"/>
+          <a:ext cx="1238815" cy="5976720"/>
         </p:xfrm>
         <a:graphic>
           <a:graphicData uri="http://schemas.openxmlformats.org/drawingml/2006/table">
@@ -3433,7 +3451,7 @@
                   </a:extLst>
                 </a:gridCol>
               </a:tblGrid>
-              <a:tr h="297434">
+              <a:tr h="298836">
                 <a:tc>
                   <a:txBody>
                     <a:bodyPr/>
@@ -3450,11 +3468,11 @@
                           <a:ea typeface="新細明體" panose="02020500000000000000" pitchFamily="18" charset="-120"/>
                           <a:cs typeface="Arial" panose="020B0604020202020204" pitchFamily="34" charset="0"/>
                         </a:rPr>
-                        <a:t>0.2219</a:t>
+                        <a:t>0.0633</a:t>
                       </a:r>
                     </a:p>
                   </a:txBody>
-                  <a:tcPr marL="6350" marR="6350" marT="6350" marB="0" anchor="ctr">
+                  <a:tcPr marL="7620" marR="7620" marT="7620" marB="0" anchor="ctr">
                     <a:lnL>
                       <a:noFill/>
                     </a:lnL>
@@ -3475,7 +3493,7 @@
                   </a:ext>
                 </a:extLst>
               </a:tr>
-              <a:tr h="297434">
+              <a:tr h="298836">
                 <a:tc>
                   <a:txBody>
                     <a:bodyPr/>
@@ -3492,11 +3510,11 @@
                           <a:ea typeface="新細明體" panose="02020500000000000000" pitchFamily="18" charset="-120"/>
                           <a:cs typeface="Arial" panose="020B0604020202020204" pitchFamily="34" charset="0"/>
                         </a:rPr>
-                        <a:t>0.0730</a:t>
+                        <a:t>0.0498</a:t>
                       </a:r>
                     </a:p>
                   </a:txBody>
-                  <a:tcPr marL="6350" marR="6350" marT="6350" marB="0" anchor="ctr">
+                  <a:tcPr marL="7620" marR="7620" marT="7620" marB="0" anchor="ctr">
                     <a:lnL>
                       <a:noFill/>
                     </a:lnL>
@@ -3517,7 +3535,7 @@
                   </a:ext>
                 </a:extLst>
               </a:tr>
-              <a:tr h="297434">
+              <a:tr h="298836">
                 <a:tc>
                   <a:txBody>
                     <a:bodyPr/>
@@ -3534,11 +3552,11 @@
                           <a:ea typeface="新細明體" panose="02020500000000000000" pitchFamily="18" charset="-120"/>
                           <a:cs typeface="Arial" panose="020B0604020202020204" pitchFamily="34" charset="0"/>
                         </a:rPr>
-                        <a:t>0.0555</a:t>
+                        <a:t>0.0476</a:t>
                       </a:r>
                     </a:p>
                   </a:txBody>
-                  <a:tcPr marL="6350" marR="6350" marT="6350" marB="0" anchor="ctr">
+                  <a:tcPr marL="7620" marR="7620" marT="7620" marB="0" anchor="ctr">
                     <a:lnL>
                       <a:noFill/>
                     </a:lnL>
@@ -3559,7 +3577,7 @@
                   </a:ext>
                 </a:extLst>
               </a:tr>
-              <a:tr h="297434">
+              <a:tr h="298836">
                 <a:tc>
                   <a:txBody>
                     <a:bodyPr/>
@@ -3576,11 +3594,11 @@
                           <a:ea typeface="新細明體" panose="02020500000000000000" pitchFamily="18" charset="-120"/>
                           <a:cs typeface="Arial" panose="020B0604020202020204" pitchFamily="34" charset="0"/>
                         </a:rPr>
-                        <a:t>0.0493</a:t>
+                        <a:t>0.0329</a:t>
                       </a:r>
                     </a:p>
                   </a:txBody>
-                  <a:tcPr marL="6350" marR="6350" marT="6350" marB="0" anchor="ctr">
+                  <a:tcPr marL="7620" marR="7620" marT="7620" marB="0" anchor="ctr">
                     <a:lnL>
                       <a:noFill/>
                     </a:lnL>
@@ -3601,7 +3619,7 @@
                   </a:ext>
                 </a:extLst>
               </a:tr>
-              <a:tr h="297434">
+              <a:tr h="298836">
                 <a:tc>
                   <a:txBody>
                     <a:bodyPr/>
@@ -3618,11 +3636,11 @@
                           <a:ea typeface="新細明體" panose="02020500000000000000" pitchFamily="18" charset="-120"/>
                           <a:cs typeface="Arial" panose="020B0604020202020204" pitchFamily="34" charset="0"/>
                         </a:rPr>
-                        <a:t>0.0182</a:t>
+                        <a:t>0.0301</a:t>
                       </a:r>
                     </a:p>
                   </a:txBody>
-                  <a:tcPr marL="6350" marR="6350" marT="6350" marB="0" anchor="ctr">
+                  <a:tcPr marL="7620" marR="7620" marT="7620" marB="0" anchor="ctr">
                     <a:lnL>
                       <a:noFill/>
                     </a:lnL>
@@ -3643,7 +3661,7 @@
                   </a:ext>
                 </a:extLst>
               </a:tr>
-              <a:tr h="297434">
+              <a:tr h="298836">
                 <a:tc>
                   <a:txBody>
                     <a:bodyPr/>
@@ -3660,11 +3678,11 @@
                           <a:ea typeface="新細明體" panose="02020500000000000000" pitchFamily="18" charset="-120"/>
                           <a:cs typeface="Arial" panose="020B0604020202020204" pitchFamily="34" charset="0"/>
                         </a:rPr>
-                        <a:t>0.0165</a:t>
+                        <a:t>0.0260</a:t>
                       </a:r>
                     </a:p>
                   </a:txBody>
-                  <a:tcPr marL="6350" marR="6350" marT="6350" marB="0" anchor="ctr">
+                  <a:tcPr marL="7620" marR="7620" marT="7620" marB="0" anchor="ctr">
                     <a:lnL>
                       <a:noFill/>
                     </a:lnL>
@@ -3685,7 +3703,7 @@
                   </a:ext>
                 </a:extLst>
               </a:tr>
-              <a:tr h="297434">
+              <a:tr h="298836">
                 <a:tc>
                   <a:txBody>
                     <a:bodyPr/>
@@ -3702,11 +3720,11 @@
                           <a:ea typeface="新細明體" panose="02020500000000000000" pitchFamily="18" charset="-120"/>
                           <a:cs typeface="Arial" panose="020B0604020202020204" pitchFamily="34" charset="0"/>
                         </a:rPr>
-                        <a:t>0.0129</a:t>
+                        <a:t>0.0244</a:t>
                       </a:r>
                     </a:p>
                   </a:txBody>
-                  <a:tcPr marL="6350" marR="6350" marT="6350" marB="0" anchor="ctr">
+                  <a:tcPr marL="7620" marR="7620" marT="7620" marB="0" anchor="ctr">
                     <a:lnL>
                       <a:noFill/>
                     </a:lnL>
@@ -3727,7 +3745,7 @@
                   </a:ext>
                 </a:extLst>
               </a:tr>
-              <a:tr h="297434">
+              <a:tr h="298836">
                 <a:tc>
                   <a:txBody>
                     <a:bodyPr/>
@@ -3744,11 +3762,11 @@
                           <a:ea typeface="新細明體" panose="02020500000000000000" pitchFamily="18" charset="-120"/>
                           <a:cs typeface="Arial" panose="020B0604020202020204" pitchFamily="34" charset="0"/>
                         </a:rPr>
-                        <a:t>0.0097</a:t>
+                        <a:t>0.0134</a:t>
                       </a:r>
                     </a:p>
                   </a:txBody>
-                  <a:tcPr marL="6350" marR="6350" marT="6350" marB="0" anchor="ctr">
+                  <a:tcPr marL="7620" marR="7620" marT="7620" marB="0" anchor="ctr">
                     <a:lnL>
                       <a:noFill/>
                     </a:lnL>
@@ -3769,7 +3787,7 @@
                   </a:ext>
                 </a:extLst>
               </a:tr>
-              <a:tr h="297434">
+              <a:tr h="298836">
                 <a:tc>
                   <a:txBody>
                     <a:bodyPr/>
@@ -3786,11 +3804,11 @@
                           <a:ea typeface="新細明體" panose="02020500000000000000" pitchFamily="18" charset="-120"/>
                           <a:cs typeface="Arial" panose="020B0604020202020204" pitchFamily="34" charset="0"/>
                         </a:rPr>
-                        <a:t>0.0082</a:t>
+                        <a:t>0.0121</a:t>
                       </a:r>
                     </a:p>
                   </a:txBody>
-                  <a:tcPr marL="6350" marR="6350" marT="6350" marB="0" anchor="ctr">
+                  <a:tcPr marL="7620" marR="7620" marT="7620" marB="0" anchor="ctr">
                     <a:lnL>
                       <a:noFill/>
                     </a:lnL>
@@ -3811,7 +3829,7 @@
                   </a:ext>
                 </a:extLst>
               </a:tr>
-              <a:tr h="297434">
+              <a:tr h="298836">
                 <a:tc>
                   <a:txBody>
                     <a:bodyPr/>
@@ -3828,11 +3846,11 @@
                           <a:ea typeface="新細明體" panose="02020500000000000000" pitchFamily="18" charset="-120"/>
                           <a:cs typeface="Arial" panose="020B0604020202020204" pitchFamily="34" charset="0"/>
                         </a:rPr>
-                        <a:t>0.0081</a:t>
+                        <a:t>0.0105</a:t>
                       </a:r>
                     </a:p>
                   </a:txBody>
-                  <a:tcPr marL="6350" marR="6350" marT="6350" marB="0" anchor="ctr">
+                  <a:tcPr marL="7620" marR="7620" marT="7620" marB="0" anchor="ctr">
                     <a:lnL>
                       <a:noFill/>
                     </a:lnL>
@@ -3853,7 +3871,7 @@
                   </a:ext>
                 </a:extLst>
               </a:tr>
-              <a:tr h="297434">
+              <a:tr h="298836">
                 <a:tc>
                   <a:txBody>
                     <a:bodyPr/>
@@ -3870,11 +3888,11 @@
                           <a:ea typeface="新細明體" panose="02020500000000000000" pitchFamily="18" charset="-120"/>
                           <a:cs typeface="Arial" panose="020B0604020202020204" pitchFamily="34" charset="0"/>
                         </a:rPr>
-                        <a:t>0.0078</a:t>
+                        <a:t>0.0094</a:t>
                       </a:r>
                     </a:p>
                   </a:txBody>
-                  <a:tcPr marL="6350" marR="6350" marT="6350" marB="0" anchor="ctr">
+                  <a:tcPr marL="7620" marR="7620" marT="7620" marB="0" anchor="ctr">
                     <a:lnL>
                       <a:noFill/>
                     </a:lnL>
@@ -3895,7 +3913,7 @@
                   </a:ext>
                 </a:extLst>
               </a:tr>
-              <a:tr h="297434">
+              <a:tr h="298836">
                 <a:tc>
                   <a:txBody>
                     <a:bodyPr/>
@@ -3912,11 +3930,11 @@
                           <a:ea typeface="新細明體" panose="02020500000000000000" pitchFamily="18" charset="-120"/>
                           <a:cs typeface="Arial" panose="020B0604020202020204" pitchFamily="34" charset="0"/>
                         </a:rPr>
-                        <a:t>0.0066</a:t>
+                        <a:t>0.0077</a:t>
                       </a:r>
                     </a:p>
                   </a:txBody>
-                  <a:tcPr marL="6350" marR="6350" marT="6350" marB="0" anchor="ctr">
+                  <a:tcPr marL="7620" marR="7620" marT="7620" marB="0" anchor="ctr">
                     <a:lnL>
                       <a:noFill/>
                     </a:lnL>
@@ -3937,7 +3955,7 @@
                   </a:ext>
                 </a:extLst>
               </a:tr>
-              <a:tr h="297434">
+              <a:tr h="298836">
                 <a:tc>
                   <a:txBody>
                     <a:bodyPr/>
@@ -3954,11 +3972,11 @@
                           <a:ea typeface="新細明體" panose="02020500000000000000" pitchFamily="18" charset="-120"/>
                           <a:cs typeface="Arial" panose="020B0604020202020204" pitchFamily="34" charset="0"/>
                         </a:rPr>
-                        <a:t>0.0065</a:t>
+                        <a:t>0.0076</a:t>
                       </a:r>
                     </a:p>
                   </a:txBody>
-                  <a:tcPr marL="6350" marR="6350" marT="6350" marB="0" anchor="ctr">
+                  <a:tcPr marL="7620" marR="7620" marT="7620" marB="0" anchor="ctr">
                     <a:lnL>
                       <a:noFill/>
                     </a:lnL>
@@ -3979,7 +3997,7 @@
                   </a:ext>
                 </a:extLst>
               </a:tr>
-              <a:tr h="297434">
+              <a:tr h="298836">
                 <a:tc>
                   <a:txBody>
                     <a:bodyPr/>
@@ -3996,11 +4014,11 @@
                           <a:ea typeface="新細明體" panose="02020500000000000000" pitchFamily="18" charset="-120"/>
                           <a:cs typeface="Arial" panose="020B0604020202020204" pitchFamily="34" charset="0"/>
                         </a:rPr>
-                        <a:t>0.0061</a:t>
+                        <a:t>0.0073</a:t>
                       </a:r>
                     </a:p>
                   </a:txBody>
-                  <a:tcPr marL="6350" marR="6350" marT="6350" marB="0" anchor="ctr">
+                  <a:tcPr marL="7620" marR="7620" marT="7620" marB="0" anchor="ctr">
                     <a:lnL>
                       <a:noFill/>
                     </a:lnL>
@@ -4021,7 +4039,7 @@
                   </a:ext>
                 </a:extLst>
               </a:tr>
-              <a:tr h="297434">
+              <a:tr h="298836">
                 <a:tc>
                   <a:txBody>
                     <a:bodyPr/>
@@ -4038,11 +4056,11 @@
                           <a:ea typeface="新細明體" panose="02020500000000000000" pitchFamily="18" charset="-120"/>
                           <a:cs typeface="Arial" panose="020B0604020202020204" pitchFamily="34" charset="0"/>
                         </a:rPr>
-                        <a:t>0.0058</a:t>
+                        <a:t>0.0068</a:t>
                       </a:r>
                     </a:p>
                   </a:txBody>
-                  <a:tcPr marL="6350" marR="6350" marT="6350" marB="0" anchor="ctr">
+                  <a:tcPr marL="7620" marR="7620" marT="7620" marB="0" anchor="ctr">
                     <a:lnL>
                       <a:noFill/>
                     </a:lnL>
@@ -4063,7 +4081,7 @@
                   </a:ext>
                 </a:extLst>
               </a:tr>
-              <a:tr h="297434">
+              <a:tr h="298836">
                 <a:tc>
                   <a:txBody>
                     <a:bodyPr/>
@@ -4080,11 +4098,11 @@
                           <a:ea typeface="新細明體" panose="02020500000000000000" pitchFamily="18" charset="-120"/>
                           <a:cs typeface="Arial" panose="020B0604020202020204" pitchFamily="34" charset="0"/>
                         </a:rPr>
-                        <a:t>0.0045</a:t>
+                        <a:t>0.0064</a:t>
                       </a:r>
                     </a:p>
                   </a:txBody>
-                  <a:tcPr marL="6350" marR="6350" marT="6350" marB="0" anchor="ctr">
+                  <a:tcPr marL="7620" marR="7620" marT="7620" marB="0" anchor="ctr">
                     <a:lnL>
                       <a:noFill/>
                     </a:lnL>
@@ -4105,7 +4123,7 @@
                   </a:ext>
                 </a:extLst>
               </a:tr>
-              <a:tr h="297434">
+              <a:tr h="298836">
                 <a:tc>
                   <a:txBody>
                     <a:bodyPr/>
@@ -4122,11 +4140,11 @@
                           <a:ea typeface="新細明體" panose="02020500000000000000" pitchFamily="18" charset="-120"/>
                           <a:cs typeface="Arial" panose="020B0604020202020204" pitchFamily="34" charset="0"/>
                         </a:rPr>
-                        <a:t>0.0044</a:t>
+                        <a:t>0.0050</a:t>
                       </a:r>
                     </a:p>
                   </a:txBody>
-                  <a:tcPr marL="6350" marR="6350" marT="6350" marB="0" anchor="ctr">
+                  <a:tcPr marL="7620" marR="7620" marT="7620" marB="0" anchor="ctr">
                     <a:lnL>
                       <a:noFill/>
                     </a:lnL>
@@ -4147,7 +4165,7 @@
                   </a:ext>
                 </a:extLst>
               </a:tr>
-              <a:tr h="297434">
+              <a:tr h="298836">
                 <a:tc>
                   <a:txBody>
                     <a:bodyPr/>
@@ -4164,11 +4182,11 @@
                           <a:ea typeface="新細明體" panose="02020500000000000000" pitchFamily="18" charset="-120"/>
                           <a:cs typeface="Arial" panose="020B0604020202020204" pitchFamily="34" charset="0"/>
                         </a:rPr>
-                        <a:t>0.0025</a:t>
+                        <a:t>0.0047</a:t>
                       </a:r>
                     </a:p>
                   </a:txBody>
-                  <a:tcPr marL="6350" marR="6350" marT="6350" marB="0" anchor="ctr">
+                  <a:tcPr marL="7620" marR="7620" marT="7620" marB="0" anchor="ctr">
                     <a:lnL>
                       <a:noFill/>
                     </a:lnL>
@@ -4189,7 +4207,7 @@
                   </a:ext>
                 </a:extLst>
               </a:tr>
-              <a:tr h="297434">
+              <a:tr h="298836">
                 <a:tc>
                   <a:txBody>
                     <a:bodyPr/>
@@ -4206,11 +4224,11 @@
                           <a:ea typeface="新細明體" panose="02020500000000000000" pitchFamily="18" charset="-120"/>
                           <a:cs typeface="Arial" panose="020B0604020202020204" pitchFamily="34" charset="0"/>
                         </a:rPr>
-                        <a:t>0.0022</a:t>
+                        <a:t>0.0040</a:t>
                       </a:r>
                     </a:p>
                   </a:txBody>
-                  <a:tcPr marL="6350" marR="6350" marT="6350" marB="0" anchor="ctr">
+                  <a:tcPr marL="7620" marR="7620" marT="7620" marB="0" anchor="ctr">
                     <a:lnL>
                       <a:noFill/>
                     </a:lnL>
@@ -4231,7 +4249,7 @@
                   </a:ext>
                 </a:extLst>
               </a:tr>
-              <a:tr h="297434">
+              <a:tr h="298836">
                 <a:tc>
                   <a:txBody>
                     <a:bodyPr/>
@@ -4248,11 +4266,11 @@
                           <a:ea typeface="新細明體" panose="02020500000000000000" pitchFamily="18" charset="-120"/>
                           <a:cs typeface="Arial" panose="020B0604020202020204" pitchFamily="34" charset="0"/>
                         </a:rPr>
-                        <a:t>0.0018</a:t>
+                        <a:t>0.0038</a:t>
                       </a:r>
                     </a:p>
                   </a:txBody>
-                  <a:tcPr marL="6350" marR="6350" marT="6350" marB="0" anchor="ctr">
+                  <a:tcPr marL="7620" marR="7620" marT="7620" marB="0" anchor="ctr">
                     <a:lnL>
                       <a:noFill/>
                     </a:lnL>
@@ -4291,8 +4309,8 @@
         </p:nvSpPr>
         <p:spPr>
           <a:xfrm>
-            <a:off x="2028732" y="0"/>
-            <a:ext cx="1449691" cy="404406"/>
+            <a:off x="1995571" y="-92600"/>
+            <a:ext cx="1489510" cy="404406"/>
           </a:xfrm>
           <a:prstGeom prst="rect">
             <a:avLst/>
@@ -4310,7 +4328,7 @@
               </a:lnSpc>
             </a:pPr>
             <a:r>
-              <a:rPr lang="en-US" altLang="zh-TW" sz="1200" dirty="0">
+              <a:rPr lang="en-US" altLang="zh-TW" sz="1200" b="1" dirty="0">
                 <a:latin typeface="Arial" panose="020B0604020202020204" pitchFamily="34" charset="0"/>
                 <a:cs typeface="Arial" panose="020B0604020202020204" pitchFamily="34" charset="0"/>
               </a:rPr>
@@ -4321,10 +4339,10 @@
       </p:sp>
       <p:sp>
         <p:nvSpPr>
-          <p:cNvPr id="6" name="矩形 5">
-            <a:extLst>
-              <a:ext uri="{FF2B5EF4-FFF2-40B4-BE49-F238E27FC236}">
-                <a16:creationId xmlns:a16="http://schemas.microsoft.com/office/drawing/2014/main" id="{F58313DE-99E8-4A7C-8446-67B186C07104}"/>
+          <p:cNvPr id="9" name="矩形 8">
+            <a:extLst>
+              <a:ext uri="{FF2B5EF4-FFF2-40B4-BE49-F238E27FC236}">
+                <a16:creationId xmlns:a16="http://schemas.microsoft.com/office/drawing/2014/main" id="{FFFEE462-259E-44B5-9306-D6EF98275381}"/>
               </a:ext>
             </a:extLst>
           </p:cNvPr>
@@ -4333,8 +4351,50 @@
         </p:nvSpPr>
         <p:spPr>
           <a:xfrm>
-            <a:off x="7761514" y="0"/>
-            <a:ext cx="449735" cy="6452684"/>
+            <a:off x="4599676" y="-92600"/>
+            <a:ext cx="1160702" cy="404406"/>
+          </a:xfrm>
+          <a:prstGeom prst="rect">
+            <a:avLst/>
+          </a:prstGeom>
+        </p:spPr>
+        <p:txBody>
+          <a:bodyPr wrap="none" anchor="ctr" anchorCtr="0">
+            <a:normAutofit/>
+          </a:bodyPr>
+          <a:lstStyle/>
+          <a:p>
+            <a:pPr algn="ctr">
+              <a:lnSpc>
+                <a:spcPct val="200000"/>
+              </a:lnSpc>
+            </a:pPr>
+            <a:r>
+              <a:rPr lang="en-US" altLang="zh-TW" sz="1200" b="1" dirty="0">
+                <a:latin typeface="Arial" panose="020B0604020202020204" pitchFamily="34" charset="0"/>
+                <a:cs typeface="Arial" panose="020B0604020202020204" pitchFamily="34" charset="0"/>
+              </a:rPr>
+              <a:t>Variable name</a:t>
+            </a:r>
+          </a:p>
+        </p:txBody>
+      </p:sp>
+      <p:sp>
+        <p:nvSpPr>
+          <p:cNvPr id="8" name="矩形 7">
+            <a:extLst>
+              <a:ext uri="{FF2B5EF4-FFF2-40B4-BE49-F238E27FC236}">
+                <a16:creationId xmlns:a16="http://schemas.microsoft.com/office/drawing/2014/main" id="{5C55551B-6A93-41E5-974A-87B1070682DE}"/>
+              </a:ext>
+            </a:extLst>
+          </p:cNvPr>
+          <p:cNvSpPr/>
+          <p:nvPr/>
+        </p:nvSpPr>
+        <p:spPr>
+          <a:xfrm>
+            <a:off x="7879079" y="0"/>
+            <a:ext cx="441959" cy="6583680"/>
           </a:xfrm>
           <a:prstGeom prst="rect">
             <a:avLst/>
@@ -4343,9 +4403,7 @@
             <a:schemeClr val="bg1"/>
           </a:solidFill>
           <a:ln>
-            <a:solidFill>
-              <a:schemeClr val="bg1"/>
-            </a:solidFill>
+            <a:noFill/>
           </a:ln>
         </p:spPr>
         <p:style>
